--- a/Html-1.pptx
+++ b/Html-1.pptx
@@ -117,6 +117,11 @@
       </a:defRPr>
     </a:lvl9pPr>
   </p:defaultTextStyle>
+  <p:extLst>
+    <p:ext uri="{EFAFB233-063F-42B5-8137-9DF3F51BA10A}">
+      <p15:sldGuideLst xmlns:p15="http://schemas.microsoft.com/office/powerpoint/2012/main"/>
+    </p:ext>
+  </p:extLst>
 </p:presentation>
 </file>
 
@@ -259,7 +264,7 @@
           <a:p>
             <a:fld id="{22F12B1B-7786-4485-AE50-86F07BAA0DA5}" type="datetimeFigureOut">
               <a:rPr lang="tr-TR" smtClean="0"/>
-              <a:t>15.10.2021</a:t>
+              <a:t>18.10.2022</a:t>
             </a:fld>
             <a:endParaRPr lang="tr-TR"/>
           </a:p>
@@ -470,7 +475,7 @@
           <a:p>
             <a:fld id="{22F12B1B-7786-4485-AE50-86F07BAA0DA5}" type="datetimeFigureOut">
               <a:rPr lang="tr-TR" smtClean="0"/>
-              <a:t>15.10.2021</a:t>
+              <a:t>18.10.2022</a:t>
             </a:fld>
             <a:endParaRPr lang="tr-TR"/>
           </a:p>
@@ -685,7 +690,7 @@
           <a:p>
             <a:fld id="{22F12B1B-7786-4485-AE50-86F07BAA0DA5}" type="datetimeFigureOut">
               <a:rPr lang="tr-TR" smtClean="0"/>
-              <a:t>15.10.2021</a:t>
+              <a:t>18.10.2022</a:t>
             </a:fld>
             <a:endParaRPr lang="tr-TR"/>
           </a:p>
@@ -886,7 +891,7 @@
           <a:p>
             <a:fld id="{22F12B1B-7786-4485-AE50-86F07BAA0DA5}" type="datetimeFigureOut">
               <a:rPr lang="tr-TR" smtClean="0"/>
-              <a:t>15.10.2021</a:t>
+              <a:t>18.10.2022</a:t>
             </a:fld>
             <a:endParaRPr lang="tr-TR"/>
           </a:p>
@@ -1165,7 +1170,7 @@
           <a:p>
             <a:fld id="{22F12B1B-7786-4485-AE50-86F07BAA0DA5}" type="datetimeFigureOut">
               <a:rPr lang="tr-TR" smtClean="0"/>
-              <a:t>15.10.2021</a:t>
+              <a:t>18.10.2022</a:t>
             </a:fld>
             <a:endParaRPr lang="tr-TR"/>
           </a:p>
@@ -1433,7 +1438,7 @@
           <a:p>
             <a:fld id="{22F12B1B-7786-4485-AE50-86F07BAA0DA5}" type="datetimeFigureOut">
               <a:rPr lang="tr-TR" smtClean="0"/>
-              <a:t>15.10.2021</a:t>
+              <a:t>18.10.2022</a:t>
             </a:fld>
             <a:endParaRPr lang="tr-TR"/>
           </a:p>
@@ -1849,7 +1854,7 @@
           <a:p>
             <a:fld id="{22F12B1B-7786-4485-AE50-86F07BAA0DA5}" type="datetimeFigureOut">
               <a:rPr lang="tr-TR" smtClean="0"/>
-              <a:t>15.10.2021</a:t>
+              <a:t>18.10.2022</a:t>
             </a:fld>
             <a:endParaRPr lang="tr-TR"/>
           </a:p>
@@ -1998,7 +2003,7 @@
           <a:p>
             <a:fld id="{22F12B1B-7786-4485-AE50-86F07BAA0DA5}" type="datetimeFigureOut">
               <a:rPr lang="tr-TR" smtClean="0"/>
-              <a:t>15.10.2021</a:t>
+              <a:t>18.10.2022</a:t>
             </a:fld>
             <a:endParaRPr lang="tr-TR"/>
           </a:p>
@@ -2124,7 +2129,7 @@
           <a:p>
             <a:fld id="{22F12B1B-7786-4485-AE50-86F07BAA0DA5}" type="datetimeFigureOut">
               <a:rPr lang="tr-TR" smtClean="0"/>
-              <a:t>15.10.2021</a:t>
+              <a:t>18.10.2022</a:t>
             </a:fld>
             <a:endParaRPr lang="tr-TR"/>
           </a:p>
@@ -2375,7 +2380,7 @@
           <a:p>
             <a:fld id="{22F12B1B-7786-4485-AE50-86F07BAA0DA5}" type="datetimeFigureOut">
               <a:rPr lang="tr-TR" smtClean="0"/>
-              <a:t>15.10.2021</a:t>
+              <a:t>18.10.2022</a:t>
             </a:fld>
             <a:endParaRPr lang="tr-TR"/>
           </a:p>
@@ -2820,7 +2825,7 @@
           <a:p>
             <a:fld id="{22F12B1B-7786-4485-AE50-86F07BAA0DA5}" type="datetimeFigureOut">
               <a:rPr lang="tr-TR" smtClean="0"/>
-              <a:t>15.10.2021</a:t>
+              <a:t>18.10.2022</a:t>
             </a:fld>
             <a:endParaRPr lang="tr-TR"/>
           </a:p>
@@ -3147,7 +3152,7 @@
           <a:p>
             <a:fld id="{22F12B1B-7786-4485-AE50-86F07BAA0DA5}" type="datetimeFigureOut">
               <a:rPr lang="tr-TR" smtClean="0"/>
-              <a:t>15.10.2021</a:t>
+              <a:t>18.10.2022</a:t>
             </a:fld>
             <a:endParaRPr lang="tr-TR"/>
           </a:p>
